--- a/535210018_Poster.pptx
+++ b/535210018_Poster.pptx
@@ -17424,7 +17424,7 @@
           </a:ln>
           <a:extLst>
             <a:ext uri="{C572A759-6A51-4108-AA02-DFA0A04FC94B}">
-              <ma14:wrappingTextBoxFlag xmlns:ma14="http://schemas.microsoft.com/office/mac/drawingml/2011/main" xmlns:lc="http://schemas.openxmlformats.org/drawingml/2006/lockedCanvas" xmlns="" val="1"/>
+              <ma14:wrappingTextBoxFlag xmlns="" xmlns:lc="http://schemas.openxmlformats.org/drawingml/2006/lockedCanvas" xmlns:ma14="http://schemas.microsoft.com/office/mac/drawingml/2011/main" val="1"/>
             </a:ext>
           </a:extLst>
         </p:spPr>
@@ -18234,7 +18234,7 @@
             </a:pPr>
             <a:r>
               <a:rPr lang="en-US" dirty="0"/>
-              <a:t>E. </a:t>
+              <a:t>[1] E. </a:t>
             </a:r>
             <a:r>
               <a:rPr lang="en-US" dirty="0" err="1"/>
@@ -18262,7 +18262,7 @@
             </a:r>
             <a:r>
               <a:rPr lang="en-US" sz="2000" dirty="0"/>
-              <a:t>M. Wang, Y. Zhou, and G. Z. Tan, “Multivariate analysis of variance (MANOVA) on the microstructure gradient of biomimetic nanofiber scaffolds fabricated by cone electrospinning,” J </a:t>
+              <a:t>M. [2] Wang, Y. Zhou, and G. Z. Tan, “Multivariate analysis of variance (MANOVA) on the microstructure gradient of biomimetic nanofiber scaffolds fabricated by cone electrospinning,” J </a:t>
             </a:r>
             <a:r>
               <a:rPr lang="en-US" sz="2000" dirty="0" err="1"/>
@@ -18295,7 +18295,7 @@
             </a:pPr>
             <a:r>
               <a:rPr lang="en-US" sz="2000" dirty="0"/>
-              <a:t>A. C. Rencher, Methods of Multivariate Analysis Second Edition, 2nd ed. Canada: WILEY-INTERSCIENCE, 2002.</a:t>
+              <a:t>[3]A. C. Rencher, Methods of Multivariate Analysis Second Edition, 2nd ed. Canada: WILEY-INTERSCIENCE, 2002.</a:t>
             </a:r>
             <a:endParaRPr lang="en-ID" sz="2000" dirty="0"/>
           </a:p>
@@ -18331,7 +18331,7 @@
         <p:spPr>
           <a:xfrm>
             <a:off x="273502" y="4492215"/>
-            <a:ext cx="7650958" cy="13331278"/>
+            <a:ext cx="7650958" cy="12407949"/>
           </a:xfrm>
           <a:prstGeom prst="rect">
             <a:avLst/>
@@ -18341,7 +18341,7 @@
           </a:ln>
           <a:extLst>
             <a:ext uri="{C572A759-6A51-4108-AA02-DFA0A04FC94B}">
-              <ma14:wrappingTextBoxFlag xmlns:ma14="http://schemas.microsoft.com/office/mac/drawingml/2011/main" xmlns:lc="http://schemas.openxmlformats.org/drawingml/2006/lockedCanvas" xmlns="" val="1"/>
+              <ma14:wrappingTextBoxFlag xmlns="" xmlns:lc="http://schemas.openxmlformats.org/drawingml/2006/lockedCanvas" xmlns:ma14="http://schemas.microsoft.com/office/mac/drawingml/2011/main" val="1"/>
             </a:ext>
           </a:extLst>
         </p:spPr>
@@ -18876,7 +18876,7 @@
             </a:r>
             <a:r>
               <a:rPr lang="en-ID" dirty="0"/>
-              <a:t>. </a:t>
+              <a:t> [1]. </a:t>
             </a:r>
             <a:r>
               <a:rPr lang="en-ID" dirty="0" err="1"/>
@@ -19262,20 +19262,6 @@
               <a:rPr lang="en-ID" dirty="0"/>
               <a:t> Tangerang dan Jakarta.</a:t>
             </a:r>
-          </a:p>
-          <a:p>
-            <a:pPr algn="just">
-              <a:lnSpc>
-                <a:spcPct val="150000"/>
-              </a:lnSpc>
-              <a:defRPr sz="2000">
-                <a:latin typeface="Arial"/>
-                <a:ea typeface="Arial"/>
-                <a:cs typeface="Arial"/>
-                <a:sym typeface="Arial"/>
-              </a:defRPr>
-            </a:pPr>
-            <a:endParaRPr lang="en-ID" dirty="0"/>
           </a:p>
           <a:p>
             <a:pPr>
@@ -19474,7 +19460,7 @@
             </a:r>
             <a:r>
               <a:rPr lang="en-ID" dirty="0"/>
-              <a:t>. </a:t>
+              <a:t>[2-3]</a:t>
             </a:r>
           </a:p>
           <a:p>
@@ -19489,7 +19475,10 @@
                 <a:sym typeface="Arial"/>
               </a:defRPr>
             </a:pPr>
-            <a:endParaRPr lang="en-ID" dirty="0"/>
+            <a:r>
+              <a:rPr lang="en-ID" dirty="0"/>
+              <a:t>. </a:t>
+            </a:r>
           </a:p>
           <a:p>
             <a:pPr>
@@ -19708,7 +19697,7 @@
           </a:ln>
           <a:extLst>
             <a:ext uri="{C572A759-6A51-4108-AA02-DFA0A04FC94B}">
-              <ma14:wrappingTextBoxFlag xmlns:ma14="http://schemas.microsoft.com/office/mac/drawingml/2011/main" xmlns:lc="http://schemas.openxmlformats.org/drawingml/2006/lockedCanvas" xmlns="" val="1"/>
+              <ma14:wrappingTextBoxFlag xmlns="" xmlns:lc="http://schemas.openxmlformats.org/drawingml/2006/lockedCanvas" xmlns:ma14="http://schemas.microsoft.com/office/mac/drawingml/2011/main" val="1"/>
             </a:ext>
           </a:extLst>
         </p:spPr>
@@ -20093,7 +20082,7 @@
           </a:ln>
           <a:extLst>
             <a:ext uri="{C572A759-6A51-4108-AA02-DFA0A04FC94B}">
-              <ma14:wrappingTextBoxFlag xmlns:mc="http://schemas.openxmlformats.org/markup-compatibility/2006" xmlns:a14="http://schemas.microsoft.com/office/drawing/2010/main" xmlns:ma14="http://schemas.microsoft.com/office/mac/drawingml/2011/main" xmlns:lc="http://schemas.openxmlformats.org/drawingml/2006/lockedCanvas" xmlns="" val="1"/>
+              <ma14:wrappingTextBoxFlag xmlns="" xmlns:lc="http://schemas.openxmlformats.org/drawingml/2006/lockedCanvas" xmlns:ma14="http://schemas.microsoft.com/office/mac/drawingml/2011/main" xmlns:a14="http://schemas.microsoft.com/office/drawing/2010/main" xmlns:mc="http://schemas.openxmlformats.org/markup-compatibility/2006" val="1"/>
             </a:ext>
           </a:extLst>
         </p:spPr>
@@ -20469,7 +20458,7 @@
           </a:ln>
           <a:extLst>
             <a:ext uri="{C572A759-6A51-4108-AA02-DFA0A04FC94B}">
-              <ma14:wrappingTextBoxFlag xmlns:ma14="http://schemas.microsoft.com/office/mac/drawingml/2011/main" xmlns:lc="http://schemas.openxmlformats.org/drawingml/2006/lockedCanvas" xmlns="" val="1"/>
+              <ma14:wrappingTextBoxFlag xmlns="" xmlns:lc="http://schemas.openxmlformats.org/drawingml/2006/lockedCanvas" xmlns:ma14="http://schemas.microsoft.com/office/mac/drawingml/2011/main" val="1"/>
             </a:ext>
           </a:extLst>
         </p:spPr>
@@ -20857,7 +20846,7 @@
           </a:ln>
           <a:extLst>
             <a:ext uri="{C572A759-6A51-4108-AA02-DFA0A04FC94B}">
-              <ma14:wrappingTextBoxFlag xmlns:ma14="http://schemas.microsoft.com/office/mac/drawingml/2011/main" xmlns:lc="http://schemas.openxmlformats.org/drawingml/2006/lockedCanvas" xmlns="" val="1"/>
+              <ma14:wrappingTextBoxFlag xmlns="" xmlns:lc="http://schemas.openxmlformats.org/drawingml/2006/lockedCanvas" xmlns:ma14="http://schemas.microsoft.com/office/mac/drawingml/2011/main" val="1"/>
             </a:ext>
           </a:extLst>
         </p:spPr>
@@ -21774,7 +21763,7 @@
           </a:ln>
           <a:extLst>
             <a:ext uri="{C572A759-6A51-4108-AA02-DFA0A04FC94B}">
-              <ma14:wrappingTextBoxFlag xmlns:ma14="http://schemas.microsoft.com/office/mac/drawingml/2011/main" xmlns:lc="http://schemas.openxmlformats.org/drawingml/2006/lockedCanvas" xmlns="" val="1"/>
+              <ma14:wrappingTextBoxFlag xmlns="" xmlns:lc="http://schemas.openxmlformats.org/drawingml/2006/lockedCanvas" xmlns:ma14="http://schemas.microsoft.com/office/mac/drawingml/2011/main" val="1"/>
             </a:ext>
           </a:extLst>
         </p:spPr>
@@ -22344,7 +22333,7 @@
           </a:ln>
           <a:extLst>
             <a:ext uri="{C572A759-6A51-4108-AA02-DFA0A04FC94B}">
-              <ma14:wrappingTextBoxFlag xmlns:mc="http://schemas.openxmlformats.org/markup-compatibility/2006" xmlns:a14="http://schemas.microsoft.com/office/drawing/2010/main" xmlns:ma14="http://schemas.microsoft.com/office/mac/drawingml/2011/main" xmlns:lc="http://schemas.openxmlformats.org/drawingml/2006/lockedCanvas" xmlns="" val="1"/>
+              <ma14:wrappingTextBoxFlag xmlns="" xmlns:lc="http://schemas.openxmlformats.org/drawingml/2006/lockedCanvas" xmlns:ma14="http://schemas.microsoft.com/office/mac/drawingml/2011/main" xmlns:a14="http://schemas.microsoft.com/office/drawing/2010/main" xmlns:mc="http://schemas.openxmlformats.org/markup-compatibility/2006" val="1"/>
             </a:ext>
           </a:extLst>
         </p:spPr>
@@ -22708,7 +22697,7 @@
           </a:ln>
           <a:extLst>
             <a:ext uri="{C572A759-6A51-4108-AA02-DFA0A04FC94B}">
-              <ma14:wrappingTextBoxFlag xmlns:mc="http://schemas.openxmlformats.org/markup-compatibility/2006" xmlns:a14="http://schemas.microsoft.com/office/drawing/2010/main" xmlns:ma14="http://schemas.microsoft.com/office/mac/drawingml/2011/main" xmlns:lc="http://schemas.openxmlformats.org/drawingml/2006/lockedCanvas" xmlns="" val="1"/>
+              <ma14:wrappingTextBoxFlag xmlns="" xmlns:lc="http://schemas.openxmlformats.org/drawingml/2006/lockedCanvas" xmlns:ma14="http://schemas.microsoft.com/office/mac/drawingml/2011/main" xmlns:a14="http://schemas.microsoft.com/office/drawing/2010/main" xmlns:mc="http://schemas.openxmlformats.org/markup-compatibility/2006" val="1"/>
             </a:ext>
           </a:extLst>
         </p:spPr>
@@ -23956,6 +23945,26 @@
 </file>
 
 <file path=customXml/item1.xml><?xml version="1.0" encoding="utf-8"?>
+<?mso-contentType ?>
+<FormTemplates xmlns="http://schemas.microsoft.com/sharepoint/v3/contenttype/forms">
+  <Display>DocumentLibraryForm</Display>
+  <Edit>DocumentLibraryForm</Edit>
+  <New>DocumentLibraryForm</New>
+</FormTemplates>
+</file>
+
+<file path=customXml/item2.xml><?xml version="1.0" encoding="utf-8"?>
+<p:properties xmlns:p="http://schemas.microsoft.com/office/2006/metadata/properties" xmlns:xsi="http://www.w3.org/2001/XMLSchema-instance" xmlns:pc="http://schemas.microsoft.com/office/infopath/2007/PartnerControls">
+  <documentManagement>
+    <TaxCatchAll xmlns="022792da-fa0b-4f0b-8a7f-5541c51a4e66" xsi:nil="true"/>
+    <lcf76f155ced4ddcb4097134ff3c332f xmlns="74b8d1c8-4d6e-47dd-8ecc-f5f97d6ddeb1">
+      <Terms xmlns="http://schemas.microsoft.com/office/infopath/2007/PartnerControls"/>
+    </lcf76f155ced4ddcb4097134ff3c332f>
+  </documentManagement>
+</p:properties>
+</file>
+
+<file path=customXml/item3.xml><?xml version="1.0" encoding="utf-8"?>
 <ct:contentTypeSchema xmlns:ct="http://schemas.microsoft.com/office/2006/metadata/contentType" xmlns:ma="http://schemas.microsoft.com/office/2006/metadata/properties/metaAttributes" ct:_="" ma:_="" ma:contentTypeName="Document" ma:contentTypeID="0x0101006CAE2B5CB9DC9B4BB700EF5DBFBFE5D3" ma:contentTypeVersion="12" ma:contentTypeDescription="Create a new document." ma:contentTypeScope="" ma:versionID="19fffd585ec8e9484ecfbf0ffe4c4602">
   <xsd:schema xmlns:xsd="http://www.w3.org/2001/XMLSchema" xmlns:xs="http://www.w3.org/2001/XMLSchema" xmlns:p="http://schemas.microsoft.com/office/2006/metadata/properties" xmlns:ns2="74b8d1c8-4d6e-47dd-8ecc-f5f97d6ddeb1" xmlns:ns3="022792da-fa0b-4f0b-8a7f-5541c51a4e66" targetNamespace="http://schemas.microsoft.com/office/2006/metadata/properties" ma:root="true" ma:fieldsID="153e94f1aecb50ddbeab5852589ad13b" ns2:_="" ns3:_="">
     <xsd:import namespace="74b8d1c8-4d6e-47dd-8ecc-f5f97d6ddeb1"/>
@@ -24156,27 +24165,26 @@
 </ct:contentTypeSchema>
 </file>
 
-<file path=customXml/item2.xml><?xml version="1.0" encoding="utf-8"?>
-<p:properties xmlns:p="http://schemas.microsoft.com/office/2006/metadata/properties" xmlns:xsi="http://www.w3.org/2001/XMLSchema-instance" xmlns:pc="http://schemas.microsoft.com/office/infopath/2007/PartnerControls">
-  <documentManagement>
-    <TaxCatchAll xmlns="022792da-fa0b-4f0b-8a7f-5541c51a4e66" xsi:nil="true"/>
-    <lcf76f155ced4ddcb4097134ff3c332f xmlns="74b8d1c8-4d6e-47dd-8ecc-f5f97d6ddeb1">
-      <Terms xmlns="http://schemas.microsoft.com/office/infopath/2007/PartnerControls"/>
-    </lcf76f155ced4ddcb4097134ff3c332f>
-  </documentManagement>
-</p:properties>
+<file path=customXml/itemProps1.xml><?xml version="1.0" encoding="utf-8"?>
+<ds:datastoreItem xmlns:ds="http://schemas.openxmlformats.org/officeDocument/2006/customXml" ds:itemID="{4CECDB70-8710-4AEC-A101-5C5F90EC18F5}">
+  <ds:schemaRefs>
+    <ds:schemaRef ds:uri="http://schemas.microsoft.com/sharepoint/v3/contenttype/forms"/>
+  </ds:schemaRefs>
+</ds:datastoreItem>
 </file>
 
-<file path=customXml/item3.xml><?xml version="1.0" encoding="utf-8"?>
-<?mso-contentType ?>
-<FormTemplates xmlns="http://schemas.microsoft.com/sharepoint/v3/contenttype/forms">
-  <Display>DocumentLibraryForm</Display>
-  <Edit>DocumentLibraryForm</Edit>
-  <New>DocumentLibraryForm</New>
-</FormTemplates>
+<file path=customXml/itemProps2.xml><?xml version="1.0" encoding="utf-8"?>
+<ds:datastoreItem xmlns:ds="http://schemas.openxmlformats.org/officeDocument/2006/customXml" ds:itemID="{3FC90398-2367-4F79-BEF1-9BD4CD2E2C89}">
+  <ds:schemaRefs>
+    <ds:schemaRef ds:uri="022792da-fa0b-4f0b-8a7f-5541c51a4e66"/>
+    <ds:schemaRef ds:uri="74b8d1c8-4d6e-47dd-8ecc-f5f97d6ddeb1"/>
+    <ds:schemaRef ds:uri="http://schemas.microsoft.com/office/2006/metadata/properties"/>
+    <ds:schemaRef ds:uri="http://schemas.microsoft.com/office/infopath/2007/PartnerControls"/>
+  </ds:schemaRefs>
+</ds:datastoreItem>
 </file>
 
-<file path=customXml/itemProps1.xml><?xml version="1.0" encoding="utf-8"?>
+<file path=customXml/itemProps3.xml><?xml version="1.0" encoding="utf-8"?>
 <ds:datastoreItem xmlns:ds="http://schemas.openxmlformats.org/officeDocument/2006/customXml" ds:itemID="{403B01EC-45FE-4D41-81A6-8C6E7936CD43}">
   <ds:schemaRefs>
     <ds:schemaRef ds:uri="022792da-fa0b-4f0b-8a7f-5541c51a4e66"/>
@@ -24193,23 +24201,4 @@
     <ds:schemaRef ds:uri="http://www.w3.org/2001/XMLSchema"/>
   </ds:schemaRefs>
 </ds:datastoreItem>
-</file>
-
-<file path=customXml/itemProps2.xml><?xml version="1.0" encoding="utf-8"?>
-<ds:datastoreItem xmlns:ds="http://schemas.openxmlformats.org/officeDocument/2006/customXml" ds:itemID="{3FC90398-2367-4F79-BEF1-9BD4CD2E2C89}">
-  <ds:schemaRefs>
-    <ds:schemaRef ds:uri="022792da-fa0b-4f0b-8a7f-5541c51a4e66"/>
-    <ds:schemaRef ds:uri="74b8d1c8-4d6e-47dd-8ecc-f5f97d6ddeb1"/>
-    <ds:schemaRef ds:uri="http://schemas.microsoft.com/office/2006/metadata/properties"/>
-    <ds:schemaRef ds:uri="http://schemas.microsoft.com/office/infopath/2007/PartnerControls"/>
-  </ds:schemaRefs>
-</ds:datastoreItem>
-</file>
-
-<file path=customXml/itemProps3.xml><?xml version="1.0" encoding="utf-8"?>
-<ds:datastoreItem xmlns:ds="http://schemas.openxmlformats.org/officeDocument/2006/customXml" ds:itemID="{4CECDB70-8710-4AEC-A101-5C5F90EC18F5}">
-  <ds:schemaRefs>
-    <ds:schemaRef ds:uri="http://schemas.microsoft.com/sharepoint/v3/contenttype/forms"/>
-  </ds:schemaRefs>
-</ds:datastoreItem>
 </file>